--- a/methods.pptx
+++ b/methods.pptx
@@ -15,9 +15,17 @@
     <p:sldId id="264" r:id="rId9"/>
     <p:sldId id="265" r:id="rId10"/>
     <p:sldId id="262" r:id="rId11"/>
-    <p:sldId id="267" r:id="rId12"/>
-    <p:sldId id="266" r:id="rId13"/>
-    <p:sldId id="268" r:id="rId14"/>
+    <p:sldId id="269" r:id="rId12"/>
+    <p:sldId id="270" r:id="rId13"/>
+    <p:sldId id="271" r:id="rId14"/>
+    <p:sldId id="272" r:id="rId15"/>
+    <p:sldId id="273" r:id="rId16"/>
+    <p:sldId id="276" r:id="rId17"/>
+    <p:sldId id="274" r:id="rId18"/>
+    <p:sldId id="275" r:id="rId19"/>
+    <p:sldId id="267" r:id="rId20"/>
+    <p:sldId id="266" r:id="rId21"/>
+    <p:sldId id="268" r:id="rId22"/>
   </p:sldIdLst>
   <p:sldSz cx="12192000" cy="6858000"/>
   <p:notesSz cx="6858000" cy="9144000"/>
@@ -271,7 +279,7 @@
           <a:p>
             <a:fld id="{0FA29248-FEED-4064-B38C-1F5483B7758C}" type="datetimeFigureOut">
               <a:rPr lang="en-US" smtClean="0"/>
-              <a:t>9/20/2020</a:t>
+              <a:t>9/21/2020</a:t>
             </a:fld>
             <a:endParaRPr lang="en-US"/>
           </a:p>
@@ -469,7 +477,7 @@
           <a:p>
             <a:fld id="{0FA29248-FEED-4064-B38C-1F5483B7758C}" type="datetimeFigureOut">
               <a:rPr lang="en-US" smtClean="0"/>
-              <a:t>9/20/2020</a:t>
+              <a:t>9/21/2020</a:t>
             </a:fld>
             <a:endParaRPr lang="en-US"/>
           </a:p>
@@ -677,7 +685,7 @@
           <a:p>
             <a:fld id="{0FA29248-FEED-4064-B38C-1F5483B7758C}" type="datetimeFigureOut">
               <a:rPr lang="en-US" smtClean="0"/>
-              <a:t>9/20/2020</a:t>
+              <a:t>9/21/2020</a:t>
             </a:fld>
             <a:endParaRPr lang="en-US"/>
           </a:p>
@@ -875,7 +883,7 @@
           <a:p>
             <a:fld id="{0FA29248-FEED-4064-B38C-1F5483B7758C}" type="datetimeFigureOut">
               <a:rPr lang="en-US" smtClean="0"/>
-              <a:t>9/20/2020</a:t>
+              <a:t>9/21/2020</a:t>
             </a:fld>
             <a:endParaRPr lang="en-US"/>
           </a:p>
@@ -1150,7 +1158,7 @@
           <a:p>
             <a:fld id="{0FA29248-FEED-4064-B38C-1F5483B7758C}" type="datetimeFigureOut">
               <a:rPr lang="en-US" smtClean="0"/>
-              <a:t>9/20/2020</a:t>
+              <a:t>9/21/2020</a:t>
             </a:fld>
             <a:endParaRPr lang="en-US"/>
           </a:p>
@@ -1415,7 +1423,7 @@
           <a:p>
             <a:fld id="{0FA29248-FEED-4064-B38C-1F5483B7758C}" type="datetimeFigureOut">
               <a:rPr lang="en-US" smtClean="0"/>
-              <a:t>9/20/2020</a:t>
+              <a:t>9/21/2020</a:t>
             </a:fld>
             <a:endParaRPr lang="en-US"/>
           </a:p>
@@ -1827,7 +1835,7 @@
           <a:p>
             <a:fld id="{0FA29248-FEED-4064-B38C-1F5483B7758C}" type="datetimeFigureOut">
               <a:rPr lang="en-US" smtClean="0"/>
-              <a:t>9/20/2020</a:t>
+              <a:t>9/21/2020</a:t>
             </a:fld>
             <a:endParaRPr lang="en-US"/>
           </a:p>
@@ -1968,7 +1976,7 @@
           <a:p>
             <a:fld id="{0FA29248-FEED-4064-B38C-1F5483B7758C}" type="datetimeFigureOut">
               <a:rPr lang="en-US" smtClean="0"/>
-              <a:t>9/20/2020</a:t>
+              <a:t>9/21/2020</a:t>
             </a:fld>
             <a:endParaRPr lang="en-US"/>
           </a:p>
@@ -2081,7 +2089,7 @@
           <a:p>
             <a:fld id="{0FA29248-FEED-4064-B38C-1F5483B7758C}" type="datetimeFigureOut">
               <a:rPr lang="en-US" smtClean="0"/>
-              <a:t>9/20/2020</a:t>
+              <a:t>9/21/2020</a:t>
             </a:fld>
             <a:endParaRPr lang="en-US"/>
           </a:p>
@@ -2392,7 +2400,7 @@
           <a:p>
             <a:fld id="{0FA29248-FEED-4064-B38C-1F5483B7758C}" type="datetimeFigureOut">
               <a:rPr lang="en-US" smtClean="0"/>
-              <a:t>9/20/2020</a:t>
+              <a:t>9/21/2020</a:t>
             </a:fld>
             <a:endParaRPr lang="en-US"/>
           </a:p>
@@ -2680,7 +2688,7 @@
           <a:p>
             <a:fld id="{0FA29248-FEED-4064-B38C-1F5483B7758C}" type="datetimeFigureOut">
               <a:rPr lang="en-US" smtClean="0"/>
-              <a:t>9/20/2020</a:t>
+              <a:t>9/21/2020</a:t>
             </a:fld>
             <a:endParaRPr lang="en-US"/>
           </a:p>
@@ -2921,7 +2929,7 @@
           <a:p>
             <a:fld id="{0FA29248-FEED-4064-B38C-1F5483B7758C}" type="datetimeFigureOut">
               <a:rPr lang="en-US" smtClean="0"/>
-              <a:t>9/20/2020</a:t>
+              <a:t>9/21/2020</a:t>
             </a:fld>
             <a:endParaRPr lang="en-US"/>
           </a:p>
@@ -3539,7 +3547,7 @@
           <p:cNvPr id="2" name="Title 1">
             <a:extLst>
               <a:ext uri="{FF2B5EF4-FFF2-40B4-BE49-F238E27FC236}">
-                <a16:creationId xmlns:a16="http://schemas.microsoft.com/office/drawing/2014/main" id="{9FF57677-742A-4BEF-A698-F29BF35EE832}"/>
+                <a16:creationId xmlns:a16="http://schemas.microsoft.com/office/drawing/2014/main" id="{79123FD4-F3ED-4972-8244-71004E31E861}"/>
               </a:ext>
             </a:extLst>
           </p:cNvPr>
@@ -3557,7 +3565,7 @@
           <a:p>
             <a:r>
               <a:rPr lang="en-US" dirty="0"/>
-              <a:t>Methods Tips</a:t>
+              <a:t>Non Static Method</a:t>
             </a:r>
           </a:p>
         </p:txBody>
@@ -3567,7 +3575,7 @@
           <p:cNvPr id="3" name="Content Placeholder 2">
             <a:extLst>
               <a:ext uri="{FF2B5EF4-FFF2-40B4-BE49-F238E27FC236}">
-                <a16:creationId xmlns:a16="http://schemas.microsoft.com/office/drawing/2014/main" id="{2A82972E-9A49-4D76-807C-75C1A20B0BBC}"/>
+                <a16:creationId xmlns:a16="http://schemas.microsoft.com/office/drawing/2014/main" id="{4B6BBAC3-F5DF-40EC-BF76-4960AADE2D4D}"/>
               </a:ext>
             </a:extLst>
           </p:cNvPr>
@@ -3584,57 +3592,89 @@
           <a:lstStyle/>
           <a:p>
             <a:r>
-              <a:rPr lang="en-US" dirty="0"/>
-              <a:t>A class can contain </a:t>
-            </a:r>
-            <a:r>
-              <a:rPr lang="en-US" b="1" dirty="0"/>
-              <a:t>multiple methods</a:t>
-            </a:r>
-            <a:r>
-              <a:rPr lang="en-US" dirty="0"/>
-              <a:t>.</a:t>
-            </a:r>
-          </a:p>
-          <a:p>
-            <a:r>
-              <a:rPr lang="en-US" dirty="0"/>
-              <a:t>Methods also known as </a:t>
-            </a:r>
-            <a:r>
-              <a:rPr lang="en-US" b="1" dirty="0"/>
-              <a:t>behavior</a:t>
-            </a:r>
-            <a:r>
-              <a:rPr lang="en-US" dirty="0"/>
-              <a:t> of an object.</a:t>
-            </a:r>
-          </a:p>
-          <a:p>
-            <a:r>
-              <a:rPr lang="en-US" dirty="0"/>
-              <a:t>Parent class Methods (protected &amp; public) inherit to child.</a:t>
-            </a:r>
-          </a:p>
-          <a:p>
-            <a:r>
-              <a:rPr lang="en-US" dirty="0"/>
-              <a:t>Compile time polymorphism is achieved by </a:t>
-            </a:r>
-            <a:r>
-              <a:rPr lang="en-US" b="1" dirty="0"/>
-              <a:t>method overloading.</a:t>
-            </a:r>
-          </a:p>
-          <a:p>
-            <a:r>
-              <a:rPr lang="en-US" dirty="0"/>
-              <a:t>Runtime polymorphism is achieved by </a:t>
-            </a:r>
-            <a:r>
-              <a:rPr lang="en-US" b="1" dirty="0"/>
-              <a:t>method overriding.</a:t>
-            </a:r>
+              <a:rPr lang="en-US" b="1" dirty="0"/>
+              <a:t>Object is required</a:t>
+            </a:r>
+            <a:r>
+              <a:rPr lang="en-US" dirty="0"/>
+              <a:t> to call the non-static method.</a:t>
+            </a:r>
+          </a:p>
+          <a:p>
+            <a:r>
+              <a:rPr lang="en-US" dirty="0"/>
+              <a:t>Such methods </a:t>
+            </a:r>
+            <a:r>
+              <a:rPr lang="en-US" b="1" dirty="0"/>
+              <a:t>should not use static keyword </a:t>
+            </a:r>
+            <a:r>
+              <a:rPr lang="en-US" dirty="0"/>
+              <a:t>while defining the method.</a:t>
+            </a:r>
+          </a:p>
+          <a:p>
+            <a:r>
+              <a:rPr lang="en-US" dirty="0"/>
+              <a:t>Invoking non-static method</a:t>
+            </a:r>
+          </a:p>
+          <a:p>
+            <a:pPr lvl="1"/>
+            <a:r>
+              <a:rPr lang="en-US" b="1" dirty="0"/>
+              <a:t>Test</a:t>
+            </a:r>
+            <a:r>
+              <a:rPr lang="en-US" dirty="0"/>
+              <a:t> </a:t>
+            </a:r>
+            <a:r>
+              <a:rPr lang="en-US" dirty="0" err="1"/>
+              <a:t>refVar</a:t>
+            </a:r>
+            <a:r>
+              <a:rPr lang="en-US" dirty="0"/>
+              <a:t>= new </a:t>
+            </a:r>
+            <a:r>
+              <a:rPr lang="en-US" b="1" dirty="0"/>
+              <a:t>Test()</a:t>
+            </a:r>
+            <a:r>
+              <a:rPr lang="en-US" dirty="0"/>
+              <a:t>; // create object. </a:t>
+            </a:r>
+            <a:r>
+              <a:rPr lang="en-US" dirty="0" err="1"/>
+              <a:t>refVar</a:t>
+            </a:r>
+            <a:r>
+              <a:rPr lang="en-US" dirty="0"/>
+              <a:t> is a variable of type Test</a:t>
+            </a:r>
+          </a:p>
+          <a:p>
+            <a:pPr lvl="1"/>
+            <a:r>
+              <a:rPr lang="en-US" dirty="0" err="1"/>
+              <a:t>refVar.</a:t>
+            </a:r>
+            <a:r>
+              <a:rPr lang="en-US" b="1" dirty="0" err="1"/>
+              <a:t>sum</a:t>
+            </a:r>
+            <a:r>
+              <a:rPr lang="en-US" b="1" dirty="0"/>
+              <a:t>()</a:t>
+            </a:r>
+            <a:r>
+              <a:rPr lang="en-US" dirty="0"/>
+              <a:t>; // sum is a non-static method defined in class Test</a:t>
+            </a:r>
+          </a:p>
+          <a:p>
             <a:endParaRPr lang="en-US" dirty="0"/>
           </a:p>
         </p:txBody>
@@ -3642,7 +3682,7 @@
     </p:spTree>
     <p:extLst>
       <p:ext uri="{BB962C8B-B14F-4D97-AF65-F5344CB8AC3E}">
-        <p14:creationId xmlns:p14="http://schemas.microsoft.com/office/powerpoint/2010/main" val="2375918978"/>
+        <p14:creationId xmlns:p14="http://schemas.microsoft.com/office/powerpoint/2010/main" val="2199363720"/>
       </p:ext>
     </p:extLst>
   </p:cSld>
@@ -3674,7 +3714,7 @@
           <p:cNvPr id="2" name="Title 1">
             <a:extLst>
               <a:ext uri="{FF2B5EF4-FFF2-40B4-BE49-F238E27FC236}">
-                <a16:creationId xmlns:a16="http://schemas.microsoft.com/office/drawing/2014/main" id="{9476C92D-E801-40CE-BD88-BC9373B12F24}"/>
+                <a16:creationId xmlns:a16="http://schemas.microsoft.com/office/drawing/2014/main" id="{D3A63995-77F7-4F8D-9FA1-6D1AB35F9BF9}"/>
               </a:ext>
             </a:extLst>
           </p:cNvPr>
@@ -3692,7 +3732,7 @@
           <a:p>
             <a:r>
               <a:rPr lang="en-US" dirty="0"/>
-              <a:t>Quiz</a:t>
+              <a:t>Non Static Method Syntax</a:t>
             </a:r>
           </a:p>
         </p:txBody>
@@ -3702,7 +3742,7 @@
           <p:cNvPr id="3" name="Content Placeholder 2">
             <a:extLst>
               <a:ext uri="{FF2B5EF4-FFF2-40B4-BE49-F238E27FC236}">
-                <a16:creationId xmlns:a16="http://schemas.microsoft.com/office/drawing/2014/main" id="{F19FB234-3A42-450A-9E7C-A05B67B97E6B}"/>
+                <a16:creationId xmlns:a16="http://schemas.microsoft.com/office/drawing/2014/main" id="{21609092-6991-4343-877F-BB1322A8A768}"/>
               </a:ext>
             </a:extLst>
           </p:cNvPr>
@@ -3715,33 +3755,112 @@
         </p:nvSpPr>
         <p:spPr/>
         <p:txBody>
-          <a:bodyPr/>
-          <a:lstStyle/>
-          <a:p>
-            <a:r>
-              <a:rPr lang="en-US" dirty="0"/>
-              <a:t>Why we need methods.</a:t>
-            </a:r>
-          </a:p>
-          <a:p>
-            <a:r>
-              <a:rPr lang="en-US" dirty="0"/>
-              <a:t>Static Vs Instance method.</a:t>
-            </a:r>
-          </a:p>
-          <a:p>
-            <a:r>
-              <a:rPr lang="en-US" dirty="0"/>
-              <a:t>Practice Number system conversions ( Decimal, Binary, Octal, </a:t>
-            </a:r>
-            <a:r>
-              <a:rPr lang="en-US" dirty="0" err="1"/>
-              <a:t>Hexa</a:t>
-            </a:r>
-            <a:r>
-              <a:rPr lang="en-US" dirty="0"/>
-              <a:t>)</a:t>
-            </a:r>
+          <a:bodyPr>
+            <a:normAutofit lnSpcReduction="10000"/>
+          </a:bodyPr>
+          <a:lstStyle/>
+          <a:p>
+            <a:r>
+              <a:rPr lang="en-US" dirty="0"/>
+              <a:t>class </a:t>
+            </a:r>
+            <a:r>
+              <a:rPr lang="en-US" b="1" dirty="0"/>
+              <a:t>Test </a:t>
+            </a:r>
+          </a:p>
+          <a:p>
+            <a:r>
+              <a:rPr lang="en-US" dirty="0"/>
+              <a:t>{</a:t>
+            </a:r>
+          </a:p>
+          <a:p>
+            <a:r>
+              <a:rPr lang="en-US" dirty="0"/>
+              <a:t>      [</a:t>
+            </a:r>
+            <a:r>
+              <a:rPr lang="en-US" b="1" dirty="0"/>
+              <a:t>access modifier</a:t>
+            </a:r>
+            <a:r>
+              <a:rPr lang="en-US" dirty="0"/>
+              <a:t>]  &lt;</a:t>
+            </a:r>
+            <a:r>
+              <a:rPr lang="en-US" b="1" dirty="0"/>
+              <a:t>return type</a:t>
+            </a:r>
+            <a:r>
+              <a:rPr lang="en-US" dirty="0"/>
+              <a:t>&gt;  &lt;</a:t>
+            </a:r>
+            <a:r>
+              <a:rPr lang="en-US" b="1" dirty="0"/>
+              <a:t>method name</a:t>
+            </a:r>
+            <a:r>
+              <a:rPr lang="en-US" dirty="0"/>
+              <a:t>&gt;(</a:t>
+            </a:r>
+            <a:r>
+              <a:rPr lang="en-US" b="1" dirty="0"/>
+              <a:t>param1, param2, ….)</a:t>
+            </a:r>
+          </a:p>
+          <a:p>
+            <a:pPr marL="0" indent="0">
+              <a:buNone/>
+            </a:pPr>
+            <a:r>
+              <a:rPr lang="en-US" dirty="0"/>
+              <a:t>          </a:t>
+            </a:r>
+            <a:r>
+              <a:rPr lang="en-US" b="1" dirty="0"/>
+              <a:t>{</a:t>
+            </a:r>
+            <a:r>
+              <a:rPr lang="en-US" dirty="0"/>
+              <a:t> // method body </a:t>
+            </a:r>
+          </a:p>
+          <a:p>
+            <a:pPr marL="0" indent="0">
+              <a:buNone/>
+            </a:pPr>
+            <a:r>
+              <a:rPr lang="en-US" dirty="0"/>
+              <a:t>             statement1;</a:t>
+            </a:r>
+          </a:p>
+          <a:p>
+            <a:pPr marL="0" indent="0">
+              <a:buNone/>
+            </a:pPr>
+            <a:r>
+              <a:rPr lang="en-US" dirty="0"/>
+              <a:t>             statement2;</a:t>
+            </a:r>
+          </a:p>
+          <a:p>
+            <a:pPr marL="0" indent="0">
+              <a:buNone/>
+            </a:pPr>
+            <a:r>
+              <a:rPr lang="en-US" b="1" dirty="0"/>
+              <a:t>          }</a:t>
+            </a:r>
+          </a:p>
+          <a:p>
+            <a:r>
+              <a:rPr lang="en-US" dirty="0"/>
+              <a:t>}</a:t>
+            </a:r>
+          </a:p>
+          <a:p>
+            <a:endParaRPr lang="en-US" dirty="0"/>
           </a:p>
           <a:p>
             <a:endParaRPr lang="en-US" dirty="0"/>
@@ -3751,7 +3870,7 @@
     </p:spTree>
     <p:extLst>
       <p:ext uri="{BB962C8B-B14F-4D97-AF65-F5344CB8AC3E}">
-        <p14:creationId xmlns:p14="http://schemas.microsoft.com/office/powerpoint/2010/main" val="2190204073"/>
+        <p14:creationId xmlns:p14="http://schemas.microsoft.com/office/powerpoint/2010/main" val="2834905713"/>
       </p:ext>
     </p:extLst>
   </p:cSld>
@@ -3783,7 +3902,7 @@
           <p:cNvPr id="2" name="Title 1">
             <a:extLst>
               <a:ext uri="{FF2B5EF4-FFF2-40B4-BE49-F238E27FC236}">
-                <a16:creationId xmlns:a16="http://schemas.microsoft.com/office/drawing/2014/main" id="{DFAC51A8-28E7-44C2-A527-52C82C016CAE}"/>
+                <a16:creationId xmlns:a16="http://schemas.microsoft.com/office/drawing/2014/main" id="{91725C4C-9A9B-4BF5-A5EC-FADC0DB76B11}"/>
               </a:ext>
             </a:extLst>
           </p:cNvPr>
@@ -3801,7 +3920,7 @@
           <a:p>
             <a:r>
               <a:rPr lang="en-US" dirty="0"/>
-              <a:t>Tips</a:t>
+              <a:t>Example: void return type, no params</a:t>
             </a:r>
           </a:p>
         </p:txBody>
@@ -3811,7 +3930,7 @@
           <p:cNvPr id="3" name="Content Placeholder 2">
             <a:extLst>
               <a:ext uri="{FF2B5EF4-FFF2-40B4-BE49-F238E27FC236}">
-                <a16:creationId xmlns:a16="http://schemas.microsoft.com/office/drawing/2014/main" id="{5CD839EE-609A-41B7-AE79-0120E5CA7D3D}"/>
+                <a16:creationId xmlns:a16="http://schemas.microsoft.com/office/drawing/2014/main" id="{C9B4ED9B-A5D1-45FF-ADA0-E0E37B8B39D3}"/>
               </a:ext>
             </a:extLst>
           </p:cNvPr>
@@ -3827,21 +3946,95 @@
           <a:bodyPr/>
           <a:lstStyle/>
           <a:p>
-            <a:r>
-              <a:rPr lang="en-US" dirty="0"/>
-              <a:t>Ask your seniors. Ask alumni. Google the things. You will get answers given by experts.</a:t>
-            </a:r>
-          </a:p>
-          <a:p>
-            <a:r>
-              <a:rPr lang="en-US" dirty="0"/>
-              <a:t>Be good in one language first. Keep practicing.</a:t>
-            </a:r>
-          </a:p>
-          <a:p>
-            <a:r>
-              <a:rPr lang="en-US" dirty="0"/>
-              <a:t>Anyone can code.</a:t>
+            <a:pPr marL="0" indent="0">
+              <a:buNone/>
+            </a:pPr>
+            <a:r>
+              <a:rPr lang="en-US" dirty="0"/>
+              <a:t>class Test</a:t>
+            </a:r>
+          </a:p>
+          <a:p>
+            <a:pPr marL="0" indent="0">
+              <a:buNone/>
+            </a:pPr>
+            <a:r>
+              <a:rPr lang="en-US" dirty="0"/>
+              <a:t>{</a:t>
+            </a:r>
+          </a:p>
+          <a:p>
+            <a:pPr marL="0" indent="0">
+              <a:buNone/>
+            </a:pPr>
+            <a:r>
+              <a:rPr lang="en-US" dirty="0"/>
+              <a:t>     </a:t>
+            </a:r>
+            <a:r>
+              <a:rPr lang="en-US" b="1" dirty="0"/>
+              <a:t> void </a:t>
+            </a:r>
+            <a:r>
+              <a:rPr lang="en-US" b="1" dirty="0" err="1"/>
+              <a:t>displaySum</a:t>
+            </a:r>
+            <a:r>
+              <a:rPr lang="en-US" b="1" dirty="0"/>
+              <a:t>()</a:t>
+            </a:r>
+          </a:p>
+          <a:p>
+            <a:pPr marL="0" indent="0">
+              <a:buNone/>
+            </a:pPr>
+            <a:r>
+              <a:rPr lang="en-US" b="1" dirty="0"/>
+              <a:t>     {</a:t>
+            </a:r>
+          </a:p>
+          <a:p>
+            <a:pPr marL="0" indent="0">
+              <a:buNone/>
+            </a:pPr>
+            <a:r>
+              <a:rPr lang="en-US" b="1" dirty="0"/>
+              <a:t>             int sum = 10 + 20;</a:t>
+            </a:r>
+          </a:p>
+          <a:p>
+            <a:pPr marL="0" indent="0">
+              <a:buNone/>
+            </a:pPr>
+            <a:r>
+              <a:rPr lang="en-US" b="1" dirty="0"/>
+              <a:t>             </a:t>
+            </a:r>
+            <a:r>
+              <a:rPr lang="en-US" b="1" dirty="0" err="1"/>
+              <a:t>System.out.println</a:t>
+            </a:r>
+            <a:r>
+              <a:rPr lang="en-US" b="1" dirty="0"/>
+              <a:t>(sum);</a:t>
+            </a:r>
+          </a:p>
+          <a:p>
+            <a:pPr marL="0" indent="0">
+              <a:buNone/>
+            </a:pPr>
+            <a:r>
+              <a:rPr lang="en-US" b="1" dirty="0"/>
+              <a:t>     }</a:t>
+            </a:r>
+          </a:p>
+          <a:p>
+            <a:pPr marL="0" indent="0">
+              <a:buNone/>
+            </a:pPr>
+            <a:r>
+              <a:rPr lang="en-US" dirty="0"/>
+              <a:t>}</a:t>
             </a:r>
           </a:p>
           <a:p>
@@ -3852,7 +4045,1018 @@
     </p:spTree>
     <p:extLst>
       <p:ext uri="{BB962C8B-B14F-4D97-AF65-F5344CB8AC3E}">
-        <p14:creationId xmlns:p14="http://schemas.microsoft.com/office/powerpoint/2010/main" val="1218940595"/>
+        <p14:creationId xmlns:p14="http://schemas.microsoft.com/office/powerpoint/2010/main" val="4184577245"/>
+      </p:ext>
+    </p:extLst>
+  </p:cSld>
+  <p:clrMapOvr>
+    <a:masterClrMapping/>
+  </p:clrMapOvr>
+</p:sld>
+</file>
+
+<file path=ppt/slides/slide14.xml><?xml version="1.0" encoding="utf-8"?>
+<p:sld xmlns:a="http://schemas.openxmlformats.org/drawingml/2006/main" xmlns:r="http://schemas.openxmlformats.org/officeDocument/2006/relationships" xmlns:p="http://schemas.openxmlformats.org/presentationml/2006/main">
+  <p:cSld>
+    <p:spTree>
+      <p:nvGrpSpPr>
+        <p:cNvPr id="1" name=""/>
+        <p:cNvGrpSpPr/>
+        <p:nvPr/>
+      </p:nvGrpSpPr>
+      <p:grpSpPr>
+        <a:xfrm>
+          <a:off x="0" y="0"/>
+          <a:ext cx="0" cy="0"/>
+          <a:chOff x="0" y="0"/>
+          <a:chExt cx="0" cy="0"/>
+        </a:xfrm>
+      </p:grpSpPr>
+      <p:sp>
+        <p:nvSpPr>
+          <p:cNvPr id="2" name="Title 1">
+            <a:extLst>
+              <a:ext uri="{FF2B5EF4-FFF2-40B4-BE49-F238E27FC236}">
+                <a16:creationId xmlns:a16="http://schemas.microsoft.com/office/drawing/2014/main" id="{D078ADFD-CB9D-4380-9B0B-C2EA59F45E4A}"/>
+              </a:ext>
+            </a:extLst>
+          </p:cNvPr>
+          <p:cNvSpPr>
+            <a:spLocks noGrp="1"/>
+          </p:cNvSpPr>
+          <p:nvPr>
+            <p:ph type="title"/>
+          </p:nvPr>
+        </p:nvSpPr>
+        <p:spPr/>
+        <p:txBody>
+          <a:bodyPr/>
+          <a:lstStyle/>
+          <a:p>
+            <a:r>
+              <a:rPr lang="en-US" dirty="0"/>
+              <a:t>Example: void return type, with params</a:t>
+            </a:r>
+          </a:p>
+        </p:txBody>
+      </p:sp>
+      <p:sp>
+        <p:nvSpPr>
+          <p:cNvPr id="3" name="Content Placeholder 2">
+            <a:extLst>
+              <a:ext uri="{FF2B5EF4-FFF2-40B4-BE49-F238E27FC236}">
+                <a16:creationId xmlns:a16="http://schemas.microsoft.com/office/drawing/2014/main" id="{EB14C30D-957A-4EED-88F5-154AD4914405}"/>
+              </a:ext>
+            </a:extLst>
+          </p:cNvPr>
+          <p:cNvSpPr>
+            <a:spLocks noGrp="1"/>
+          </p:cNvSpPr>
+          <p:nvPr>
+            <p:ph idx="1"/>
+          </p:nvPr>
+        </p:nvSpPr>
+        <p:spPr/>
+        <p:txBody>
+          <a:bodyPr/>
+          <a:lstStyle/>
+          <a:p>
+            <a:pPr marL="0" indent="0">
+              <a:buNone/>
+            </a:pPr>
+            <a:r>
+              <a:rPr lang="en-US" dirty="0"/>
+              <a:t>class Test</a:t>
+            </a:r>
+          </a:p>
+          <a:p>
+            <a:pPr marL="0" indent="0">
+              <a:buNone/>
+            </a:pPr>
+            <a:r>
+              <a:rPr lang="en-US" dirty="0"/>
+              <a:t>{</a:t>
+            </a:r>
+          </a:p>
+          <a:p>
+            <a:pPr marL="0" indent="0">
+              <a:buNone/>
+            </a:pPr>
+            <a:r>
+              <a:rPr lang="en-US" dirty="0"/>
+              <a:t>     </a:t>
+            </a:r>
+            <a:r>
+              <a:rPr lang="en-US" b="1" dirty="0"/>
+              <a:t> void </a:t>
+            </a:r>
+            <a:r>
+              <a:rPr lang="en-US" b="1" dirty="0" err="1"/>
+              <a:t>displaySum</a:t>
+            </a:r>
+            <a:r>
+              <a:rPr lang="en-US" b="1" dirty="0"/>
+              <a:t>(int x, int y)</a:t>
+            </a:r>
+          </a:p>
+          <a:p>
+            <a:pPr marL="0" indent="0">
+              <a:buNone/>
+            </a:pPr>
+            <a:r>
+              <a:rPr lang="en-US" b="1" dirty="0"/>
+              <a:t>     {</a:t>
+            </a:r>
+          </a:p>
+          <a:p>
+            <a:pPr marL="0" indent="0">
+              <a:buNone/>
+            </a:pPr>
+            <a:r>
+              <a:rPr lang="en-US" b="1" dirty="0"/>
+              <a:t>             int sum = x + y;</a:t>
+            </a:r>
+          </a:p>
+          <a:p>
+            <a:pPr marL="0" indent="0">
+              <a:buNone/>
+            </a:pPr>
+            <a:r>
+              <a:rPr lang="en-US" b="1" dirty="0"/>
+              <a:t>             </a:t>
+            </a:r>
+            <a:r>
+              <a:rPr lang="en-US" b="1" dirty="0" err="1"/>
+              <a:t>System.out.println</a:t>
+            </a:r>
+            <a:r>
+              <a:rPr lang="en-US" b="1" dirty="0"/>
+              <a:t>(sum);</a:t>
+            </a:r>
+          </a:p>
+          <a:p>
+            <a:pPr marL="0" indent="0">
+              <a:buNone/>
+            </a:pPr>
+            <a:r>
+              <a:rPr lang="en-US" b="1" dirty="0"/>
+              <a:t>     }</a:t>
+            </a:r>
+          </a:p>
+          <a:p>
+            <a:pPr marL="0" indent="0">
+              <a:buNone/>
+            </a:pPr>
+            <a:r>
+              <a:rPr lang="en-US" dirty="0"/>
+              <a:t>}</a:t>
+            </a:r>
+          </a:p>
+          <a:p>
+            <a:pPr marL="0" indent="0">
+              <a:buNone/>
+            </a:pPr>
+            <a:endParaRPr lang="en-US" dirty="0"/>
+          </a:p>
+        </p:txBody>
+      </p:sp>
+    </p:spTree>
+    <p:extLst>
+      <p:ext uri="{BB962C8B-B14F-4D97-AF65-F5344CB8AC3E}">
+        <p14:creationId xmlns:p14="http://schemas.microsoft.com/office/powerpoint/2010/main" val="3699777063"/>
+      </p:ext>
+    </p:extLst>
+  </p:cSld>
+  <p:clrMapOvr>
+    <a:masterClrMapping/>
+  </p:clrMapOvr>
+</p:sld>
+</file>
+
+<file path=ppt/slides/slide15.xml><?xml version="1.0" encoding="utf-8"?>
+<p:sld xmlns:a="http://schemas.openxmlformats.org/drawingml/2006/main" xmlns:r="http://schemas.openxmlformats.org/officeDocument/2006/relationships" xmlns:p="http://schemas.openxmlformats.org/presentationml/2006/main">
+  <p:cSld>
+    <p:spTree>
+      <p:nvGrpSpPr>
+        <p:cNvPr id="1" name=""/>
+        <p:cNvGrpSpPr/>
+        <p:nvPr/>
+      </p:nvGrpSpPr>
+      <p:grpSpPr>
+        <a:xfrm>
+          <a:off x="0" y="0"/>
+          <a:ext cx="0" cy="0"/>
+          <a:chOff x="0" y="0"/>
+          <a:chExt cx="0" cy="0"/>
+        </a:xfrm>
+      </p:grpSpPr>
+      <p:sp>
+        <p:nvSpPr>
+          <p:cNvPr id="2" name="Title 1">
+            <a:extLst>
+              <a:ext uri="{FF2B5EF4-FFF2-40B4-BE49-F238E27FC236}">
+                <a16:creationId xmlns:a16="http://schemas.microsoft.com/office/drawing/2014/main" id="{79B6A5A5-9E0D-47C3-860E-34CD5956D6A3}"/>
+              </a:ext>
+            </a:extLst>
+          </p:cNvPr>
+          <p:cNvSpPr>
+            <a:spLocks noGrp="1"/>
+          </p:cNvSpPr>
+          <p:nvPr>
+            <p:ph type="title"/>
+          </p:nvPr>
+        </p:nvSpPr>
+        <p:spPr/>
+        <p:txBody>
+          <a:bodyPr/>
+          <a:lstStyle/>
+          <a:p>
+            <a:r>
+              <a:rPr lang="en-US" dirty="0"/>
+              <a:t>Example: return type, with params</a:t>
+            </a:r>
+          </a:p>
+        </p:txBody>
+      </p:sp>
+      <p:sp>
+        <p:nvSpPr>
+          <p:cNvPr id="3" name="Content Placeholder 2">
+            <a:extLst>
+              <a:ext uri="{FF2B5EF4-FFF2-40B4-BE49-F238E27FC236}">
+                <a16:creationId xmlns:a16="http://schemas.microsoft.com/office/drawing/2014/main" id="{AA3665F3-E629-4016-AB6E-BEF04B436071}"/>
+              </a:ext>
+            </a:extLst>
+          </p:cNvPr>
+          <p:cNvSpPr>
+            <a:spLocks noGrp="1"/>
+          </p:cNvSpPr>
+          <p:nvPr>
+            <p:ph idx="1"/>
+          </p:nvPr>
+        </p:nvSpPr>
+        <p:spPr/>
+        <p:txBody>
+          <a:bodyPr/>
+          <a:lstStyle/>
+          <a:p>
+            <a:pPr marL="0" indent="0">
+              <a:buNone/>
+            </a:pPr>
+            <a:r>
+              <a:rPr lang="en-US" dirty="0"/>
+              <a:t>class Test</a:t>
+            </a:r>
+          </a:p>
+          <a:p>
+            <a:pPr marL="0" indent="0">
+              <a:buNone/>
+            </a:pPr>
+            <a:r>
+              <a:rPr lang="en-US" dirty="0"/>
+              <a:t>{</a:t>
+            </a:r>
+          </a:p>
+          <a:p>
+            <a:pPr marL="0" indent="0">
+              <a:buNone/>
+            </a:pPr>
+            <a:r>
+              <a:rPr lang="en-US" dirty="0"/>
+              <a:t>     </a:t>
+            </a:r>
+            <a:r>
+              <a:rPr lang="en-US" b="1" dirty="0"/>
+              <a:t> int </a:t>
+            </a:r>
+            <a:r>
+              <a:rPr lang="en-US" b="1" dirty="0" err="1"/>
+              <a:t>displaySum</a:t>
+            </a:r>
+            <a:r>
+              <a:rPr lang="en-US" b="1" dirty="0"/>
+              <a:t>(int x, int y)</a:t>
+            </a:r>
+          </a:p>
+          <a:p>
+            <a:pPr marL="0" indent="0">
+              <a:buNone/>
+            </a:pPr>
+            <a:r>
+              <a:rPr lang="en-US" b="1" dirty="0"/>
+              <a:t>     {</a:t>
+            </a:r>
+          </a:p>
+          <a:p>
+            <a:pPr marL="0" indent="0">
+              <a:buNone/>
+            </a:pPr>
+            <a:r>
+              <a:rPr lang="en-US" b="1" dirty="0"/>
+              <a:t>             int sum = x + y;</a:t>
+            </a:r>
+          </a:p>
+          <a:p>
+            <a:pPr marL="0" indent="0">
+              <a:buNone/>
+            </a:pPr>
+            <a:r>
+              <a:rPr lang="en-US" b="1" dirty="0"/>
+              <a:t>             return sum;</a:t>
+            </a:r>
+          </a:p>
+          <a:p>
+            <a:pPr marL="0" indent="0">
+              <a:buNone/>
+            </a:pPr>
+            <a:r>
+              <a:rPr lang="en-US" b="1" dirty="0"/>
+              <a:t>     }</a:t>
+            </a:r>
+          </a:p>
+          <a:p>
+            <a:pPr marL="0" indent="0">
+              <a:buNone/>
+            </a:pPr>
+            <a:r>
+              <a:rPr lang="en-US" dirty="0"/>
+              <a:t>}</a:t>
+            </a:r>
+          </a:p>
+          <a:p>
+            <a:endParaRPr lang="en-US" dirty="0"/>
+          </a:p>
+        </p:txBody>
+      </p:sp>
+    </p:spTree>
+    <p:extLst>
+      <p:ext uri="{BB962C8B-B14F-4D97-AF65-F5344CB8AC3E}">
+        <p14:creationId xmlns:p14="http://schemas.microsoft.com/office/powerpoint/2010/main" val="2178073660"/>
+      </p:ext>
+    </p:extLst>
+  </p:cSld>
+  <p:clrMapOvr>
+    <a:masterClrMapping/>
+  </p:clrMapOvr>
+</p:sld>
+</file>
+
+<file path=ppt/slides/slide16.xml><?xml version="1.0" encoding="utf-8"?>
+<p:sld xmlns:a="http://schemas.openxmlformats.org/drawingml/2006/main" xmlns:r="http://schemas.openxmlformats.org/officeDocument/2006/relationships" xmlns:p="http://schemas.openxmlformats.org/presentationml/2006/main">
+  <p:cSld>
+    <p:spTree>
+      <p:nvGrpSpPr>
+        <p:cNvPr id="1" name=""/>
+        <p:cNvGrpSpPr/>
+        <p:nvPr/>
+      </p:nvGrpSpPr>
+      <p:grpSpPr>
+        <a:xfrm>
+          <a:off x="0" y="0"/>
+          <a:ext cx="0" cy="0"/>
+          <a:chOff x="0" y="0"/>
+          <a:chExt cx="0" cy="0"/>
+        </a:xfrm>
+      </p:grpSpPr>
+      <p:sp>
+        <p:nvSpPr>
+          <p:cNvPr id="2" name="Title 1">
+            <a:extLst>
+              <a:ext uri="{FF2B5EF4-FFF2-40B4-BE49-F238E27FC236}">
+                <a16:creationId xmlns:a16="http://schemas.microsoft.com/office/drawing/2014/main" id="{AB293B6F-7CC7-465A-AC39-D63B3C528AC1}"/>
+              </a:ext>
+            </a:extLst>
+          </p:cNvPr>
+          <p:cNvSpPr>
+            <a:spLocks noGrp="1"/>
+          </p:cNvSpPr>
+          <p:nvPr>
+            <p:ph type="title"/>
+          </p:nvPr>
+        </p:nvSpPr>
+        <p:spPr/>
+        <p:txBody>
+          <a:bodyPr/>
+          <a:lstStyle/>
+          <a:p>
+            <a:r>
+              <a:rPr lang="en-US" dirty="0"/>
+              <a:t>Non Static Method</a:t>
+            </a:r>
+          </a:p>
+        </p:txBody>
+      </p:sp>
+      <p:sp>
+        <p:nvSpPr>
+          <p:cNvPr id="3" name="Content Placeholder 2">
+            <a:extLst>
+              <a:ext uri="{FF2B5EF4-FFF2-40B4-BE49-F238E27FC236}">
+                <a16:creationId xmlns:a16="http://schemas.microsoft.com/office/drawing/2014/main" id="{74B3C088-2A55-4722-A626-958E57CF6DEE}"/>
+              </a:ext>
+            </a:extLst>
+          </p:cNvPr>
+          <p:cNvSpPr>
+            <a:spLocks noGrp="1"/>
+          </p:cNvSpPr>
+          <p:nvPr>
+            <p:ph idx="1"/>
+          </p:nvPr>
+        </p:nvSpPr>
+        <p:spPr/>
+        <p:txBody>
+          <a:bodyPr/>
+          <a:lstStyle/>
+          <a:p>
+            <a:r>
+              <a:rPr lang="en-US" dirty="0"/>
+              <a:t>Non-Static methods can be invoked </a:t>
+            </a:r>
+          </a:p>
+          <a:p>
+            <a:pPr lvl="1"/>
+            <a:r>
+              <a:rPr lang="en-US" b="1" dirty="0"/>
+              <a:t>From non-static blocks </a:t>
+            </a:r>
+            <a:r>
+              <a:rPr lang="en-US" dirty="0"/>
+              <a:t>or </a:t>
+            </a:r>
+          </a:p>
+          <a:p>
+            <a:pPr lvl="1"/>
+            <a:r>
+              <a:rPr lang="en-US" dirty="0"/>
+              <a:t>From another non-static method or </a:t>
+            </a:r>
+          </a:p>
+          <a:p>
+            <a:r>
+              <a:rPr lang="en-US" dirty="0"/>
+              <a:t>Also they can call themselves (recursion: discuss later).</a:t>
+            </a:r>
+          </a:p>
+          <a:p>
+            <a:r>
+              <a:rPr lang="en-US" b="1" dirty="0"/>
+              <a:t>Non-Static method can access non-static variables</a:t>
+            </a:r>
+            <a:r>
+              <a:rPr lang="en-US" dirty="0"/>
+              <a:t>.</a:t>
+            </a:r>
+          </a:p>
+          <a:p>
+            <a:r>
+              <a:rPr lang="en-US" b="1" dirty="0"/>
+              <a:t>Non-Static method can access static variables</a:t>
+            </a:r>
+            <a:r>
+              <a:rPr lang="en-US" dirty="0"/>
+              <a:t>.</a:t>
+            </a:r>
+          </a:p>
+          <a:p>
+            <a:r>
+              <a:rPr lang="en-US" dirty="0"/>
+              <a:t>Non-static methods can call other static methods.</a:t>
+            </a:r>
+          </a:p>
+          <a:p>
+            <a:r>
+              <a:rPr lang="en-US" dirty="0"/>
+              <a:t>Non-static methods can call other static methods.</a:t>
+            </a:r>
+          </a:p>
+          <a:p>
+            <a:pPr marL="0" indent="0">
+              <a:buNone/>
+            </a:pPr>
+            <a:endParaRPr lang="en-US" dirty="0"/>
+          </a:p>
+          <a:p>
+            <a:endParaRPr lang="en-US" dirty="0"/>
+          </a:p>
+        </p:txBody>
+      </p:sp>
+    </p:spTree>
+    <p:extLst>
+      <p:ext uri="{BB962C8B-B14F-4D97-AF65-F5344CB8AC3E}">
+        <p14:creationId xmlns:p14="http://schemas.microsoft.com/office/powerpoint/2010/main" val="866848571"/>
+      </p:ext>
+    </p:extLst>
+  </p:cSld>
+  <p:clrMapOvr>
+    <a:masterClrMapping/>
+  </p:clrMapOvr>
+</p:sld>
+</file>
+
+<file path=ppt/slides/slide17.xml><?xml version="1.0" encoding="utf-8"?>
+<p:sld xmlns:a="http://schemas.openxmlformats.org/drawingml/2006/main" xmlns:r="http://schemas.openxmlformats.org/officeDocument/2006/relationships" xmlns:p="http://schemas.openxmlformats.org/presentationml/2006/main">
+  <p:cSld>
+    <p:spTree>
+      <p:nvGrpSpPr>
+        <p:cNvPr id="1" name=""/>
+        <p:cNvGrpSpPr/>
+        <p:nvPr/>
+      </p:nvGrpSpPr>
+      <p:grpSpPr>
+        <a:xfrm>
+          <a:off x="0" y="0"/>
+          <a:ext cx="0" cy="0"/>
+          <a:chOff x="0" y="0"/>
+          <a:chExt cx="0" cy="0"/>
+        </a:xfrm>
+      </p:grpSpPr>
+      <p:sp>
+        <p:nvSpPr>
+          <p:cNvPr id="2" name="Title 1">
+            <a:extLst>
+              <a:ext uri="{FF2B5EF4-FFF2-40B4-BE49-F238E27FC236}">
+                <a16:creationId xmlns:a16="http://schemas.microsoft.com/office/drawing/2014/main" id="{469449F3-1885-4BB0-9CA7-BDF04FE045DE}"/>
+              </a:ext>
+            </a:extLst>
+          </p:cNvPr>
+          <p:cNvSpPr>
+            <a:spLocks noGrp="1"/>
+          </p:cNvSpPr>
+          <p:nvPr>
+            <p:ph type="title"/>
+          </p:nvPr>
+        </p:nvSpPr>
+        <p:spPr/>
+        <p:txBody>
+          <a:bodyPr/>
+          <a:lstStyle/>
+          <a:p>
+            <a:r>
+              <a:rPr lang="en-US" dirty="0"/>
+              <a:t>Method having return type (not void), but no return statement</a:t>
+            </a:r>
+          </a:p>
+        </p:txBody>
+      </p:sp>
+      <p:sp>
+        <p:nvSpPr>
+          <p:cNvPr id="3" name="Content Placeholder 2">
+            <a:extLst>
+              <a:ext uri="{FF2B5EF4-FFF2-40B4-BE49-F238E27FC236}">
+                <a16:creationId xmlns:a16="http://schemas.microsoft.com/office/drawing/2014/main" id="{0D045216-D289-453B-A89E-1802151C95F7}"/>
+              </a:ext>
+            </a:extLst>
+          </p:cNvPr>
+          <p:cNvSpPr>
+            <a:spLocks noGrp="1"/>
+          </p:cNvSpPr>
+          <p:nvPr>
+            <p:ph idx="1"/>
+          </p:nvPr>
+        </p:nvSpPr>
+        <p:spPr/>
+        <p:txBody>
+          <a:bodyPr>
+            <a:normAutofit lnSpcReduction="10000"/>
+          </a:bodyPr>
+          <a:lstStyle/>
+          <a:p>
+            <a:pPr marL="0" indent="0">
+              <a:buNone/>
+            </a:pPr>
+            <a:r>
+              <a:rPr lang="en-US" dirty="0"/>
+              <a:t>class Test</a:t>
+            </a:r>
+          </a:p>
+          <a:p>
+            <a:pPr marL="0" indent="0">
+              <a:buNone/>
+            </a:pPr>
+            <a:r>
+              <a:rPr lang="en-US" dirty="0"/>
+              <a:t>{</a:t>
+            </a:r>
+          </a:p>
+          <a:p>
+            <a:pPr marL="0" indent="0">
+              <a:buNone/>
+            </a:pPr>
+            <a:r>
+              <a:rPr lang="en-US" dirty="0"/>
+              <a:t>     </a:t>
+            </a:r>
+            <a:r>
+              <a:rPr lang="en-US" b="1" dirty="0"/>
+              <a:t> int </a:t>
+            </a:r>
+            <a:r>
+              <a:rPr lang="en-US" b="1" dirty="0" err="1"/>
+              <a:t>displaySum</a:t>
+            </a:r>
+            <a:r>
+              <a:rPr lang="en-US" b="1" dirty="0"/>
+              <a:t>()</a:t>
+            </a:r>
+          </a:p>
+          <a:p>
+            <a:pPr marL="0" indent="0">
+              <a:buNone/>
+            </a:pPr>
+            <a:r>
+              <a:rPr lang="en-US" b="1" dirty="0"/>
+              <a:t>     {</a:t>
+            </a:r>
+          </a:p>
+          <a:p>
+            <a:pPr marL="0" indent="0">
+              <a:buNone/>
+            </a:pPr>
+            <a:r>
+              <a:rPr lang="en-US" b="1" dirty="0"/>
+              <a:t>             int sum = 10 + 20;</a:t>
+            </a:r>
+          </a:p>
+          <a:p>
+            <a:pPr marL="0" indent="0">
+              <a:buNone/>
+            </a:pPr>
+            <a:r>
+              <a:rPr lang="en-US" b="1" dirty="0"/>
+              <a:t>             </a:t>
+            </a:r>
+            <a:r>
+              <a:rPr lang="en-US" b="1" dirty="0" err="1"/>
+              <a:t>System.out.println</a:t>
+            </a:r>
+            <a:r>
+              <a:rPr lang="en-US" b="1" dirty="0"/>
+              <a:t>(sum);</a:t>
+            </a:r>
+          </a:p>
+          <a:p>
+            <a:pPr marL="0" indent="0">
+              <a:buNone/>
+            </a:pPr>
+            <a:r>
+              <a:rPr lang="en-US" b="1" dirty="0"/>
+              <a:t>     }</a:t>
+            </a:r>
+          </a:p>
+          <a:p>
+            <a:pPr marL="0" indent="0">
+              <a:buNone/>
+            </a:pPr>
+            <a:r>
+              <a:rPr lang="en-US" dirty="0"/>
+              <a:t>}</a:t>
+            </a:r>
+          </a:p>
+          <a:p>
+            <a:r>
+              <a:rPr lang="en-US" dirty="0">
+                <a:solidFill>
+                  <a:srgbClr val="FF0000"/>
+                </a:solidFill>
+              </a:rPr>
+              <a:t>Compilation Error. Method need a return statement value of type int </a:t>
+            </a:r>
+          </a:p>
+        </p:txBody>
+      </p:sp>
+    </p:spTree>
+    <p:extLst>
+      <p:ext uri="{BB962C8B-B14F-4D97-AF65-F5344CB8AC3E}">
+        <p14:creationId xmlns:p14="http://schemas.microsoft.com/office/powerpoint/2010/main" val="1081503308"/>
+      </p:ext>
+    </p:extLst>
+  </p:cSld>
+  <p:clrMapOvr>
+    <a:masterClrMapping/>
+  </p:clrMapOvr>
+</p:sld>
+</file>
+
+<file path=ppt/slides/slide18.xml><?xml version="1.0" encoding="utf-8"?>
+<p:sld xmlns:a="http://schemas.openxmlformats.org/drawingml/2006/main" xmlns:r="http://schemas.openxmlformats.org/officeDocument/2006/relationships" xmlns:p="http://schemas.openxmlformats.org/presentationml/2006/main">
+  <p:cSld>
+    <p:spTree>
+      <p:nvGrpSpPr>
+        <p:cNvPr id="1" name=""/>
+        <p:cNvGrpSpPr/>
+        <p:nvPr/>
+      </p:nvGrpSpPr>
+      <p:grpSpPr>
+        <a:xfrm>
+          <a:off x="0" y="0"/>
+          <a:ext cx="0" cy="0"/>
+          <a:chOff x="0" y="0"/>
+          <a:chExt cx="0" cy="0"/>
+        </a:xfrm>
+      </p:grpSpPr>
+      <p:sp>
+        <p:nvSpPr>
+          <p:cNvPr id="2" name="Title 1">
+            <a:extLst>
+              <a:ext uri="{FF2B5EF4-FFF2-40B4-BE49-F238E27FC236}">
+                <a16:creationId xmlns:a16="http://schemas.microsoft.com/office/drawing/2014/main" id="{40D528D5-5576-4768-8A80-94871DBED97E}"/>
+              </a:ext>
+            </a:extLst>
+          </p:cNvPr>
+          <p:cNvSpPr>
+            <a:spLocks noGrp="1"/>
+          </p:cNvSpPr>
+          <p:nvPr>
+            <p:ph type="title"/>
+          </p:nvPr>
+        </p:nvSpPr>
+        <p:spPr/>
+        <p:txBody>
+          <a:bodyPr/>
+          <a:lstStyle/>
+          <a:p>
+            <a:r>
+              <a:rPr lang="en-US" dirty="0"/>
+              <a:t>Method having void return type, but having return statement value</a:t>
+            </a:r>
+          </a:p>
+        </p:txBody>
+      </p:sp>
+      <p:sp>
+        <p:nvSpPr>
+          <p:cNvPr id="3" name="Content Placeholder 2">
+            <a:extLst>
+              <a:ext uri="{FF2B5EF4-FFF2-40B4-BE49-F238E27FC236}">
+                <a16:creationId xmlns:a16="http://schemas.microsoft.com/office/drawing/2014/main" id="{5CD6A0EE-0C00-4C3C-82D3-62487AA949F9}"/>
+              </a:ext>
+            </a:extLst>
+          </p:cNvPr>
+          <p:cNvSpPr>
+            <a:spLocks noGrp="1"/>
+          </p:cNvSpPr>
+          <p:nvPr>
+            <p:ph idx="1"/>
+          </p:nvPr>
+        </p:nvSpPr>
+        <p:spPr/>
+        <p:txBody>
+          <a:bodyPr>
+            <a:normAutofit fontScale="92500" lnSpcReduction="20000"/>
+          </a:bodyPr>
+          <a:lstStyle/>
+          <a:p>
+            <a:pPr marL="0" indent="0">
+              <a:buNone/>
+            </a:pPr>
+            <a:r>
+              <a:rPr lang="en-US" dirty="0"/>
+              <a:t>class Test</a:t>
+            </a:r>
+          </a:p>
+          <a:p>
+            <a:pPr marL="0" indent="0">
+              <a:buNone/>
+            </a:pPr>
+            <a:r>
+              <a:rPr lang="en-US" dirty="0"/>
+              <a:t>{</a:t>
+            </a:r>
+          </a:p>
+          <a:p>
+            <a:pPr marL="0" indent="0">
+              <a:buNone/>
+            </a:pPr>
+            <a:r>
+              <a:rPr lang="en-US" dirty="0"/>
+              <a:t>     </a:t>
+            </a:r>
+            <a:r>
+              <a:rPr lang="en-US" b="1" dirty="0"/>
+              <a:t> void </a:t>
+            </a:r>
+            <a:r>
+              <a:rPr lang="en-US" b="1" dirty="0" err="1"/>
+              <a:t>displaySum</a:t>
+            </a:r>
+            <a:r>
+              <a:rPr lang="en-US" b="1" dirty="0"/>
+              <a:t>()</a:t>
+            </a:r>
+          </a:p>
+          <a:p>
+            <a:pPr marL="0" indent="0">
+              <a:buNone/>
+            </a:pPr>
+            <a:r>
+              <a:rPr lang="en-US" b="1" dirty="0"/>
+              <a:t>     {</a:t>
+            </a:r>
+          </a:p>
+          <a:p>
+            <a:pPr marL="0" indent="0">
+              <a:buNone/>
+            </a:pPr>
+            <a:r>
+              <a:rPr lang="en-US" b="1" dirty="0"/>
+              <a:t>             int sum = 10 + 20;</a:t>
+            </a:r>
+          </a:p>
+          <a:p>
+            <a:pPr marL="0" indent="0">
+              <a:buNone/>
+            </a:pPr>
+            <a:r>
+              <a:rPr lang="en-US" b="1" dirty="0"/>
+              <a:t>             </a:t>
+            </a:r>
+            <a:r>
+              <a:rPr lang="en-US" b="1" dirty="0" err="1"/>
+              <a:t>System.out.println</a:t>
+            </a:r>
+            <a:r>
+              <a:rPr lang="en-US" b="1" dirty="0"/>
+              <a:t>(sum);</a:t>
+            </a:r>
+          </a:p>
+          <a:p>
+            <a:pPr marL="0" indent="0">
+              <a:buNone/>
+            </a:pPr>
+            <a:r>
+              <a:rPr lang="en-US" b="1" dirty="0"/>
+              <a:t>             return sum; // this is wrong</a:t>
+            </a:r>
+          </a:p>
+          <a:p>
+            <a:pPr marL="0" indent="0">
+              <a:buNone/>
+            </a:pPr>
+            <a:r>
+              <a:rPr lang="en-US" b="1" dirty="0"/>
+              <a:t>     }</a:t>
+            </a:r>
+          </a:p>
+          <a:p>
+            <a:pPr marL="0" indent="0">
+              <a:buNone/>
+            </a:pPr>
+            <a:r>
+              <a:rPr lang="en-US" dirty="0"/>
+              <a:t>}</a:t>
+            </a:r>
+          </a:p>
+          <a:p>
+            <a:r>
+              <a:rPr lang="en-US" dirty="0">
+                <a:solidFill>
+                  <a:srgbClr val="FF0000"/>
+                </a:solidFill>
+              </a:rPr>
+              <a:t>Compilation Error. Method doesn’t need a return statement value of type int because method is declared with void return type.</a:t>
+            </a:r>
+          </a:p>
+          <a:p>
+            <a:endParaRPr lang="en-US" dirty="0"/>
+          </a:p>
+        </p:txBody>
+      </p:sp>
+    </p:spTree>
+    <p:extLst>
+      <p:ext uri="{BB962C8B-B14F-4D97-AF65-F5344CB8AC3E}">
+        <p14:creationId xmlns:p14="http://schemas.microsoft.com/office/powerpoint/2010/main" val="3890230614"/>
+      </p:ext>
+    </p:extLst>
+  </p:cSld>
+  <p:clrMapOvr>
+    <a:masterClrMapping/>
+  </p:clrMapOvr>
+</p:sld>
+</file>
+
+<file path=ppt/slides/slide19.xml><?xml version="1.0" encoding="utf-8"?>
+<p:sld xmlns:a="http://schemas.openxmlformats.org/drawingml/2006/main" xmlns:r="http://schemas.openxmlformats.org/officeDocument/2006/relationships" xmlns:p="http://schemas.openxmlformats.org/presentationml/2006/main">
+  <p:cSld>
+    <p:spTree>
+      <p:nvGrpSpPr>
+        <p:cNvPr id="1" name=""/>
+        <p:cNvGrpSpPr/>
+        <p:nvPr/>
+      </p:nvGrpSpPr>
+      <p:grpSpPr>
+        <a:xfrm>
+          <a:off x="0" y="0"/>
+          <a:ext cx="0" cy="0"/>
+          <a:chOff x="0" y="0"/>
+          <a:chExt cx="0" cy="0"/>
+        </a:xfrm>
+      </p:grpSpPr>
+      <p:sp>
+        <p:nvSpPr>
+          <p:cNvPr id="2" name="Title 1">
+            <a:extLst>
+              <a:ext uri="{FF2B5EF4-FFF2-40B4-BE49-F238E27FC236}">
+                <a16:creationId xmlns:a16="http://schemas.microsoft.com/office/drawing/2014/main" id="{9FF57677-742A-4BEF-A698-F29BF35EE832}"/>
+              </a:ext>
+            </a:extLst>
+          </p:cNvPr>
+          <p:cNvSpPr>
+            <a:spLocks noGrp="1"/>
+          </p:cNvSpPr>
+          <p:nvPr>
+            <p:ph type="title"/>
+          </p:nvPr>
+        </p:nvSpPr>
+        <p:spPr/>
+        <p:txBody>
+          <a:bodyPr/>
+          <a:lstStyle/>
+          <a:p>
+            <a:r>
+              <a:rPr lang="en-US" dirty="0"/>
+              <a:t>Methods Tips</a:t>
+            </a:r>
+          </a:p>
+        </p:txBody>
+      </p:sp>
+      <p:sp>
+        <p:nvSpPr>
+          <p:cNvPr id="3" name="Content Placeholder 2">
+            <a:extLst>
+              <a:ext uri="{FF2B5EF4-FFF2-40B4-BE49-F238E27FC236}">
+                <a16:creationId xmlns:a16="http://schemas.microsoft.com/office/drawing/2014/main" id="{2A82972E-9A49-4D76-807C-75C1A20B0BBC}"/>
+              </a:ext>
+            </a:extLst>
+          </p:cNvPr>
+          <p:cNvSpPr>
+            <a:spLocks noGrp="1"/>
+          </p:cNvSpPr>
+          <p:nvPr>
+            <p:ph idx="1"/>
+          </p:nvPr>
+        </p:nvSpPr>
+        <p:spPr/>
+        <p:txBody>
+          <a:bodyPr/>
+          <a:lstStyle/>
+          <a:p>
+            <a:r>
+              <a:rPr lang="en-US" dirty="0"/>
+              <a:t>A class can contain </a:t>
+            </a:r>
+            <a:r>
+              <a:rPr lang="en-US" b="1" dirty="0"/>
+              <a:t>multiple methods</a:t>
+            </a:r>
+            <a:r>
+              <a:rPr lang="en-US" dirty="0"/>
+              <a:t>.</a:t>
+            </a:r>
+          </a:p>
+          <a:p>
+            <a:r>
+              <a:rPr lang="en-US" dirty="0"/>
+              <a:t>Methods also known as </a:t>
+            </a:r>
+            <a:r>
+              <a:rPr lang="en-US" b="1" dirty="0"/>
+              <a:t>behavior</a:t>
+            </a:r>
+            <a:r>
+              <a:rPr lang="en-US" dirty="0"/>
+              <a:t> of an object.</a:t>
+            </a:r>
+          </a:p>
+          <a:p>
+            <a:r>
+              <a:rPr lang="en-US" dirty="0"/>
+              <a:t>Parent class Methods (protected &amp; public) inherit to child.</a:t>
+            </a:r>
+          </a:p>
+          <a:p>
+            <a:r>
+              <a:rPr lang="en-US" dirty="0"/>
+              <a:t>Compile time polymorphism is achieved by </a:t>
+            </a:r>
+            <a:r>
+              <a:rPr lang="en-US" b="1" dirty="0"/>
+              <a:t>method overloading.</a:t>
+            </a:r>
+          </a:p>
+          <a:p>
+            <a:r>
+              <a:rPr lang="en-US" dirty="0"/>
+              <a:t>Runtime polymorphism is achieved by </a:t>
+            </a:r>
+            <a:r>
+              <a:rPr lang="en-US" b="1" dirty="0"/>
+              <a:t>method overriding.</a:t>
+            </a:r>
+            <a:endParaRPr lang="en-US" dirty="0"/>
+          </a:p>
+        </p:txBody>
+      </p:sp>
+    </p:spTree>
+    <p:extLst>
+      <p:ext uri="{BB962C8B-B14F-4D97-AF65-F5344CB8AC3E}">
+        <p14:creationId xmlns:p14="http://schemas.microsoft.com/office/powerpoint/2010/main" val="2375918978"/>
       </p:ext>
     </p:extLst>
   </p:cSld>
@@ -3953,6 +5157,213 @@
     <p:extLst>
       <p:ext uri="{BB962C8B-B14F-4D97-AF65-F5344CB8AC3E}">
         <p14:creationId xmlns:p14="http://schemas.microsoft.com/office/powerpoint/2010/main" val="3394949275"/>
+      </p:ext>
+    </p:extLst>
+  </p:cSld>
+  <p:clrMapOvr>
+    <a:masterClrMapping/>
+  </p:clrMapOvr>
+</p:sld>
+</file>
+
+<file path=ppt/slides/slide20.xml><?xml version="1.0" encoding="utf-8"?>
+<p:sld xmlns:a="http://schemas.openxmlformats.org/drawingml/2006/main" xmlns:r="http://schemas.openxmlformats.org/officeDocument/2006/relationships" xmlns:p="http://schemas.openxmlformats.org/presentationml/2006/main">
+  <p:cSld>
+    <p:spTree>
+      <p:nvGrpSpPr>
+        <p:cNvPr id="1" name=""/>
+        <p:cNvGrpSpPr/>
+        <p:nvPr/>
+      </p:nvGrpSpPr>
+      <p:grpSpPr>
+        <a:xfrm>
+          <a:off x="0" y="0"/>
+          <a:ext cx="0" cy="0"/>
+          <a:chOff x="0" y="0"/>
+          <a:chExt cx="0" cy="0"/>
+        </a:xfrm>
+      </p:grpSpPr>
+      <p:sp>
+        <p:nvSpPr>
+          <p:cNvPr id="2" name="Title 1">
+            <a:extLst>
+              <a:ext uri="{FF2B5EF4-FFF2-40B4-BE49-F238E27FC236}">
+                <a16:creationId xmlns:a16="http://schemas.microsoft.com/office/drawing/2014/main" id="{9476C92D-E801-40CE-BD88-BC9373B12F24}"/>
+              </a:ext>
+            </a:extLst>
+          </p:cNvPr>
+          <p:cNvSpPr>
+            <a:spLocks noGrp="1"/>
+          </p:cNvSpPr>
+          <p:nvPr>
+            <p:ph type="title"/>
+          </p:nvPr>
+        </p:nvSpPr>
+        <p:spPr/>
+        <p:txBody>
+          <a:bodyPr/>
+          <a:lstStyle/>
+          <a:p>
+            <a:r>
+              <a:rPr lang="en-US" dirty="0"/>
+              <a:t>Quiz</a:t>
+            </a:r>
+          </a:p>
+        </p:txBody>
+      </p:sp>
+      <p:sp>
+        <p:nvSpPr>
+          <p:cNvPr id="3" name="Content Placeholder 2">
+            <a:extLst>
+              <a:ext uri="{FF2B5EF4-FFF2-40B4-BE49-F238E27FC236}">
+                <a16:creationId xmlns:a16="http://schemas.microsoft.com/office/drawing/2014/main" id="{F19FB234-3A42-450A-9E7C-A05B67B97E6B}"/>
+              </a:ext>
+            </a:extLst>
+          </p:cNvPr>
+          <p:cNvSpPr>
+            <a:spLocks noGrp="1"/>
+          </p:cNvSpPr>
+          <p:nvPr>
+            <p:ph idx="1"/>
+          </p:nvPr>
+        </p:nvSpPr>
+        <p:spPr/>
+        <p:txBody>
+          <a:bodyPr/>
+          <a:lstStyle/>
+          <a:p>
+            <a:r>
+              <a:rPr lang="en-US" dirty="0"/>
+              <a:t>Why we need methods.</a:t>
+            </a:r>
+          </a:p>
+          <a:p>
+            <a:r>
+              <a:rPr lang="en-US" dirty="0"/>
+              <a:t>Static Vs Instance method.</a:t>
+            </a:r>
+          </a:p>
+          <a:p>
+            <a:r>
+              <a:rPr lang="en-US" dirty="0"/>
+              <a:t>Practice Number system conversions ( Decimal, Binary, Octal, </a:t>
+            </a:r>
+            <a:r>
+              <a:rPr lang="en-US" dirty="0" err="1"/>
+              <a:t>Hexa</a:t>
+            </a:r>
+            <a:r>
+              <a:rPr lang="en-US" dirty="0"/>
+              <a:t>).</a:t>
+            </a:r>
+          </a:p>
+          <a:p>
+            <a:r>
+              <a:rPr lang="en-US" dirty="0"/>
+              <a:t>What is the use of return statement.</a:t>
+            </a:r>
+          </a:p>
+          <a:p>
+            <a:endParaRPr lang="en-US" dirty="0"/>
+          </a:p>
+        </p:txBody>
+      </p:sp>
+    </p:spTree>
+    <p:extLst>
+      <p:ext uri="{BB962C8B-B14F-4D97-AF65-F5344CB8AC3E}">
+        <p14:creationId xmlns:p14="http://schemas.microsoft.com/office/powerpoint/2010/main" val="2190204073"/>
+      </p:ext>
+    </p:extLst>
+  </p:cSld>
+  <p:clrMapOvr>
+    <a:masterClrMapping/>
+  </p:clrMapOvr>
+</p:sld>
+</file>
+
+<file path=ppt/slides/slide21.xml><?xml version="1.0" encoding="utf-8"?>
+<p:sld xmlns:a="http://schemas.openxmlformats.org/drawingml/2006/main" xmlns:r="http://schemas.openxmlformats.org/officeDocument/2006/relationships" xmlns:p="http://schemas.openxmlformats.org/presentationml/2006/main">
+  <p:cSld>
+    <p:spTree>
+      <p:nvGrpSpPr>
+        <p:cNvPr id="1" name=""/>
+        <p:cNvGrpSpPr/>
+        <p:nvPr/>
+      </p:nvGrpSpPr>
+      <p:grpSpPr>
+        <a:xfrm>
+          <a:off x="0" y="0"/>
+          <a:ext cx="0" cy="0"/>
+          <a:chOff x="0" y="0"/>
+          <a:chExt cx="0" cy="0"/>
+        </a:xfrm>
+      </p:grpSpPr>
+      <p:sp>
+        <p:nvSpPr>
+          <p:cNvPr id="2" name="Title 1">
+            <a:extLst>
+              <a:ext uri="{FF2B5EF4-FFF2-40B4-BE49-F238E27FC236}">
+                <a16:creationId xmlns:a16="http://schemas.microsoft.com/office/drawing/2014/main" id="{DFAC51A8-28E7-44C2-A527-52C82C016CAE}"/>
+              </a:ext>
+            </a:extLst>
+          </p:cNvPr>
+          <p:cNvSpPr>
+            <a:spLocks noGrp="1"/>
+          </p:cNvSpPr>
+          <p:nvPr>
+            <p:ph type="title"/>
+          </p:nvPr>
+        </p:nvSpPr>
+        <p:spPr/>
+        <p:txBody>
+          <a:bodyPr/>
+          <a:lstStyle/>
+          <a:p>
+            <a:r>
+              <a:rPr lang="en-US" dirty="0"/>
+              <a:t>Tips</a:t>
+            </a:r>
+          </a:p>
+        </p:txBody>
+      </p:sp>
+      <p:sp>
+        <p:nvSpPr>
+          <p:cNvPr id="3" name="Content Placeholder 2">
+            <a:extLst>
+              <a:ext uri="{FF2B5EF4-FFF2-40B4-BE49-F238E27FC236}">
+                <a16:creationId xmlns:a16="http://schemas.microsoft.com/office/drawing/2014/main" id="{5CD839EE-609A-41B7-AE79-0120E5CA7D3D}"/>
+              </a:ext>
+            </a:extLst>
+          </p:cNvPr>
+          <p:cNvSpPr>
+            <a:spLocks noGrp="1"/>
+          </p:cNvSpPr>
+          <p:nvPr>
+            <p:ph idx="1"/>
+          </p:nvPr>
+        </p:nvSpPr>
+        <p:spPr/>
+        <p:txBody>
+          <a:bodyPr/>
+          <a:lstStyle/>
+          <a:p>
+            <a:r>
+              <a:rPr lang="en-US" dirty="0"/>
+              <a:t>Be good in one language first. Keep practicing.</a:t>
+            </a:r>
+          </a:p>
+          <a:p>
+            <a:pPr marL="0" indent="0">
+              <a:buNone/>
+            </a:pPr>
+            <a:endParaRPr lang="en-US" dirty="0"/>
+          </a:p>
+        </p:txBody>
+      </p:sp>
+    </p:spTree>
+    <p:extLst>
+      <p:ext uri="{BB962C8B-B14F-4D97-AF65-F5344CB8AC3E}">
+        <p14:creationId xmlns:p14="http://schemas.microsoft.com/office/powerpoint/2010/main" val="1218940595"/>
       </p:ext>
     </p:extLst>
   </p:cSld>
@@ -4325,7 +5736,7 @@
             </a:r>
             <a:r>
               <a:rPr lang="en-US" dirty="0"/>
-              <a:t>]  &lt;</a:t>
+              <a:t>] [static] &lt;</a:t>
             </a:r>
             <a:r>
               <a:rPr lang="en-US" b="1" dirty="0"/>

--- a/methods.pptx
+++ b/methods.pptx
@@ -23,9 +23,10 @@
     <p:sldId id="276" r:id="rId17"/>
     <p:sldId id="274" r:id="rId18"/>
     <p:sldId id="275" r:id="rId19"/>
-    <p:sldId id="267" r:id="rId20"/>
-    <p:sldId id="266" r:id="rId21"/>
-    <p:sldId id="268" r:id="rId22"/>
+    <p:sldId id="277" r:id="rId20"/>
+    <p:sldId id="267" r:id="rId21"/>
+    <p:sldId id="266" r:id="rId22"/>
+    <p:sldId id="268" r:id="rId23"/>
   </p:sldIdLst>
   <p:sldSz cx="12192000" cy="6858000"/>
   <p:notesSz cx="6858000" cy="9144000"/>
@@ -279,7 +280,7 @@
           <a:p>
             <a:fld id="{0FA29248-FEED-4064-B38C-1F5483B7758C}" type="datetimeFigureOut">
               <a:rPr lang="en-US" smtClean="0"/>
-              <a:t>9/21/2020</a:t>
+              <a:t>9/23/2020</a:t>
             </a:fld>
             <a:endParaRPr lang="en-US"/>
           </a:p>
@@ -477,7 +478,7 @@
           <a:p>
             <a:fld id="{0FA29248-FEED-4064-B38C-1F5483B7758C}" type="datetimeFigureOut">
               <a:rPr lang="en-US" smtClean="0"/>
-              <a:t>9/21/2020</a:t>
+              <a:t>9/23/2020</a:t>
             </a:fld>
             <a:endParaRPr lang="en-US"/>
           </a:p>
@@ -685,7 +686,7 @@
           <a:p>
             <a:fld id="{0FA29248-FEED-4064-B38C-1F5483B7758C}" type="datetimeFigureOut">
               <a:rPr lang="en-US" smtClean="0"/>
-              <a:t>9/21/2020</a:t>
+              <a:t>9/23/2020</a:t>
             </a:fld>
             <a:endParaRPr lang="en-US"/>
           </a:p>
@@ -883,7 +884,7 @@
           <a:p>
             <a:fld id="{0FA29248-FEED-4064-B38C-1F5483B7758C}" type="datetimeFigureOut">
               <a:rPr lang="en-US" smtClean="0"/>
-              <a:t>9/21/2020</a:t>
+              <a:t>9/23/2020</a:t>
             </a:fld>
             <a:endParaRPr lang="en-US"/>
           </a:p>
@@ -1158,7 +1159,7 @@
           <a:p>
             <a:fld id="{0FA29248-FEED-4064-B38C-1F5483B7758C}" type="datetimeFigureOut">
               <a:rPr lang="en-US" smtClean="0"/>
-              <a:t>9/21/2020</a:t>
+              <a:t>9/23/2020</a:t>
             </a:fld>
             <a:endParaRPr lang="en-US"/>
           </a:p>
@@ -1423,7 +1424,7 @@
           <a:p>
             <a:fld id="{0FA29248-FEED-4064-B38C-1F5483B7758C}" type="datetimeFigureOut">
               <a:rPr lang="en-US" smtClean="0"/>
-              <a:t>9/21/2020</a:t>
+              <a:t>9/23/2020</a:t>
             </a:fld>
             <a:endParaRPr lang="en-US"/>
           </a:p>
@@ -1835,7 +1836,7 @@
           <a:p>
             <a:fld id="{0FA29248-FEED-4064-B38C-1F5483B7758C}" type="datetimeFigureOut">
               <a:rPr lang="en-US" smtClean="0"/>
-              <a:t>9/21/2020</a:t>
+              <a:t>9/23/2020</a:t>
             </a:fld>
             <a:endParaRPr lang="en-US"/>
           </a:p>
@@ -1976,7 +1977,7 @@
           <a:p>
             <a:fld id="{0FA29248-FEED-4064-B38C-1F5483B7758C}" type="datetimeFigureOut">
               <a:rPr lang="en-US" smtClean="0"/>
-              <a:t>9/21/2020</a:t>
+              <a:t>9/23/2020</a:t>
             </a:fld>
             <a:endParaRPr lang="en-US"/>
           </a:p>
@@ -2089,7 +2090,7 @@
           <a:p>
             <a:fld id="{0FA29248-FEED-4064-B38C-1F5483B7758C}" type="datetimeFigureOut">
               <a:rPr lang="en-US" smtClean="0"/>
-              <a:t>9/21/2020</a:t>
+              <a:t>9/23/2020</a:t>
             </a:fld>
             <a:endParaRPr lang="en-US"/>
           </a:p>
@@ -2400,7 +2401,7 @@
           <a:p>
             <a:fld id="{0FA29248-FEED-4064-B38C-1F5483B7758C}" type="datetimeFigureOut">
               <a:rPr lang="en-US" smtClean="0"/>
-              <a:t>9/21/2020</a:t>
+              <a:t>9/23/2020</a:t>
             </a:fld>
             <a:endParaRPr lang="en-US"/>
           </a:p>
@@ -2688,7 +2689,7 @@
           <a:p>
             <a:fld id="{0FA29248-FEED-4064-B38C-1F5483B7758C}" type="datetimeFigureOut">
               <a:rPr lang="en-US" smtClean="0"/>
-              <a:t>9/21/2020</a:t>
+              <a:t>9/23/2020</a:t>
             </a:fld>
             <a:endParaRPr lang="en-US"/>
           </a:p>
@@ -2929,7 +2930,7 @@
           <a:p>
             <a:fld id="{0FA29248-FEED-4064-B38C-1F5483B7758C}" type="datetimeFigureOut">
               <a:rPr lang="en-US" smtClean="0"/>
-              <a:t>9/21/2020</a:t>
+              <a:t>9/23/2020</a:t>
             </a:fld>
             <a:endParaRPr lang="en-US"/>
           </a:p>
@@ -4953,7 +4954,7 @@
           <p:cNvPr id="2" name="Title 1">
             <a:extLst>
               <a:ext uri="{FF2B5EF4-FFF2-40B4-BE49-F238E27FC236}">
-                <a16:creationId xmlns:a16="http://schemas.microsoft.com/office/drawing/2014/main" id="{9FF57677-742A-4BEF-A698-F29BF35EE832}"/>
+                <a16:creationId xmlns:a16="http://schemas.microsoft.com/office/drawing/2014/main" id="{FA4A51DC-CE04-4A9B-9097-E8877681BCCC}"/>
               </a:ext>
             </a:extLst>
           </p:cNvPr>
@@ -4971,7 +4972,7 @@
           <a:p>
             <a:r>
               <a:rPr lang="en-US" dirty="0"/>
-              <a:t>Methods Tips</a:t>
+              <a:t>Method Invocation</a:t>
             </a:r>
           </a:p>
         </p:txBody>
@@ -4981,7 +4982,7 @@
           <p:cNvPr id="3" name="Content Placeholder 2">
             <a:extLst>
               <a:ext uri="{FF2B5EF4-FFF2-40B4-BE49-F238E27FC236}">
-                <a16:creationId xmlns:a16="http://schemas.microsoft.com/office/drawing/2014/main" id="{2A82972E-9A49-4D76-807C-75C1A20B0BBC}"/>
+                <a16:creationId xmlns:a16="http://schemas.microsoft.com/office/drawing/2014/main" id="{68AFEEDF-4B91-4CAD-AE30-CCCA143DF692}"/>
               </a:ext>
             </a:extLst>
           </p:cNvPr>
@@ -4999,56 +5000,59 @@
           <a:p>
             <a:r>
               <a:rPr lang="en-US" dirty="0"/>
-              <a:t>A class can contain </a:t>
-            </a:r>
-            <a:r>
-              <a:rPr lang="en-US" b="1" dirty="0"/>
-              <a:t>multiple methods</a:t>
-            </a:r>
-            <a:r>
-              <a:rPr lang="en-US" dirty="0"/>
-              <a:t>.</a:t>
-            </a:r>
-          </a:p>
-          <a:p>
-            <a:r>
-              <a:rPr lang="en-US" dirty="0"/>
-              <a:t>Methods also known as </a:t>
-            </a:r>
-            <a:r>
-              <a:rPr lang="en-US" b="1" dirty="0"/>
-              <a:t>behavior</a:t>
-            </a:r>
-            <a:r>
-              <a:rPr lang="en-US" dirty="0"/>
-              <a:t> of an object.</a:t>
-            </a:r>
-          </a:p>
-          <a:p>
-            <a:r>
-              <a:rPr lang="en-US" dirty="0"/>
-              <a:t>Parent class Methods (protected &amp; public) inherit to child.</a:t>
-            </a:r>
-          </a:p>
-          <a:p>
-            <a:r>
-              <a:rPr lang="en-US" dirty="0"/>
-              <a:t>Compile time polymorphism is achieved by </a:t>
-            </a:r>
-            <a:r>
-              <a:rPr lang="en-US" b="1" dirty="0"/>
-              <a:t>method overloading.</a:t>
-            </a:r>
-          </a:p>
-          <a:p>
-            <a:r>
-              <a:rPr lang="en-US" dirty="0"/>
-              <a:t>Runtime polymorphism is achieved by </a:t>
-            </a:r>
-            <a:r>
-              <a:rPr lang="en-US" b="1" dirty="0"/>
-              <a:t>method overriding.</a:t>
-            </a:r>
+              <a:t>Non Static Methods defined in the same class</a:t>
+            </a:r>
+          </a:p>
+          <a:p>
+            <a:pPr lvl="1"/>
+            <a:r>
+              <a:rPr lang="en-US" dirty="0"/>
+              <a:t>Need objects to invoke non-static methods from static area</a:t>
+            </a:r>
+          </a:p>
+          <a:p>
+            <a:pPr lvl="1"/>
+            <a:r>
+              <a:rPr lang="en-US" dirty="0"/>
+              <a:t>No need of object to invoke methods from non-static area</a:t>
+            </a:r>
+          </a:p>
+          <a:p>
+            <a:r>
+              <a:rPr lang="en-US" dirty="0"/>
+              <a:t>Non Static Methods defined in other class</a:t>
+            </a:r>
+          </a:p>
+          <a:p>
+            <a:pPr lvl="1"/>
+            <a:r>
+              <a:rPr lang="en-US" dirty="0"/>
+              <a:t>Need objects to invoke non-static methods of other class</a:t>
+            </a:r>
+          </a:p>
+          <a:p>
+            <a:r>
+              <a:rPr lang="en-US" dirty="0"/>
+              <a:t>Static Methods defined in other class</a:t>
+            </a:r>
+          </a:p>
+          <a:p>
+            <a:pPr lvl="1"/>
+            <a:r>
+              <a:rPr lang="en-US" dirty="0"/>
+              <a:t>Use class name only to invoke static methods of other class</a:t>
+            </a:r>
+          </a:p>
+          <a:p>
+            <a:pPr marL="457200" lvl="1" indent="0">
+              <a:buNone/>
+            </a:pPr>
+            <a:endParaRPr lang="en-US" dirty="0"/>
+          </a:p>
+          <a:p>
+            <a:pPr marL="457200" lvl="1" indent="0">
+              <a:buNone/>
+            </a:pPr>
             <a:endParaRPr lang="en-US" dirty="0"/>
           </a:p>
         </p:txBody>
@@ -5056,7 +5060,7 @@
     </p:spTree>
     <p:extLst>
       <p:ext uri="{BB962C8B-B14F-4D97-AF65-F5344CB8AC3E}">
-        <p14:creationId xmlns:p14="http://schemas.microsoft.com/office/powerpoint/2010/main" val="2375918978"/>
+        <p14:creationId xmlns:p14="http://schemas.microsoft.com/office/powerpoint/2010/main" val="995511429"/>
       </p:ext>
     </p:extLst>
   </p:cSld>
@@ -5188,6 +5192,141 @@
           <p:cNvPr id="2" name="Title 1">
             <a:extLst>
               <a:ext uri="{FF2B5EF4-FFF2-40B4-BE49-F238E27FC236}">
+                <a16:creationId xmlns:a16="http://schemas.microsoft.com/office/drawing/2014/main" id="{9FF57677-742A-4BEF-A698-F29BF35EE832}"/>
+              </a:ext>
+            </a:extLst>
+          </p:cNvPr>
+          <p:cNvSpPr>
+            <a:spLocks noGrp="1"/>
+          </p:cNvSpPr>
+          <p:nvPr>
+            <p:ph type="title"/>
+          </p:nvPr>
+        </p:nvSpPr>
+        <p:spPr/>
+        <p:txBody>
+          <a:bodyPr/>
+          <a:lstStyle/>
+          <a:p>
+            <a:r>
+              <a:rPr lang="en-US" dirty="0"/>
+              <a:t>Methods Tips</a:t>
+            </a:r>
+          </a:p>
+        </p:txBody>
+      </p:sp>
+      <p:sp>
+        <p:nvSpPr>
+          <p:cNvPr id="3" name="Content Placeholder 2">
+            <a:extLst>
+              <a:ext uri="{FF2B5EF4-FFF2-40B4-BE49-F238E27FC236}">
+                <a16:creationId xmlns:a16="http://schemas.microsoft.com/office/drawing/2014/main" id="{2A82972E-9A49-4D76-807C-75C1A20B0BBC}"/>
+              </a:ext>
+            </a:extLst>
+          </p:cNvPr>
+          <p:cNvSpPr>
+            <a:spLocks noGrp="1"/>
+          </p:cNvSpPr>
+          <p:nvPr>
+            <p:ph idx="1"/>
+          </p:nvPr>
+        </p:nvSpPr>
+        <p:spPr/>
+        <p:txBody>
+          <a:bodyPr/>
+          <a:lstStyle/>
+          <a:p>
+            <a:r>
+              <a:rPr lang="en-US" dirty="0"/>
+              <a:t>A class can contain </a:t>
+            </a:r>
+            <a:r>
+              <a:rPr lang="en-US" b="1" dirty="0"/>
+              <a:t>multiple methods</a:t>
+            </a:r>
+            <a:r>
+              <a:rPr lang="en-US" dirty="0"/>
+              <a:t>.</a:t>
+            </a:r>
+          </a:p>
+          <a:p>
+            <a:r>
+              <a:rPr lang="en-US" dirty="0"/>
+              <a:t>Methods also known as </a:t>
+            </a:r>
+            <a:r>
+              <a:rPr lang="en-US" b="1" dirty="0"/>
+              <a:t>behavior</a:t>
+            </a:r>
+            <a:r>
+              <a:rPr lang="en-US" dirty="0"/>
+              <a:t> of an object.</a:t>
+            </a:r>
+          </a:p>
+          <a:p>
+            <a:r>
+              <a:rPr lang="en-US" dirty="0"/>
+              <a:t>Parent class Methods (protected &amp; public) inherit to child.</a:t>
+            </a:r>
+          </a:p>
+          <a:p>
+            <a:r>
+              <a:rPr lang="en-US" dirty="0"/>
+              <a:t>Compile time polymorphism is achieved by </a:t>
+            </a:r>
+            <a:r>
+              <a:rPr lang="en-US" b="1" dirty="0"/>
+              <a:t>method overloading.</a:t>
+            </a:r>
+          </a:p>
+          <a:p>
+            <a:r>
+              <a:rPr lang="en-US" dirty="0"/>
+              <a:t>Runtime polymorphism is achieved by </a:t>
+            </a:r>
+            <a:r>
+              <a:rPr lang="en-US" b="1" dirty="0"/>
+              <a:t>method overriding.</a:t>
+            </a:r>
+            <a:endParaRPr lang="en-US" dirty="0"/>
+          </a:p>
+        </p:txBody>
+      </p:sp>
+    </p:spTree>
+    <p:extLst>
+      <p:ext uri="{BB962C8B-B14F-4D97-AF65-F5344CB8AC3E}">
+        <p14:creationId xmlns:p14="http://schemas.microsoft.com/office/powerpoint/2010/main" val="2375918978"/>
+      </p:ext>
+    </p:extLst>
+  </p:cSld>
+  <p:clrMapOvr>
+    <a:masterClrMapping/>
+  </p:clrMapOvr>
+</p:sld>
+</file>
+
+<file path=ppt/slides/slide21.xml><?xml version="1.0" encoding="utf-8"?>
+<p:sld xmlns:a="http://schemas.openxmlformats.org/drawingml/2006/main" xmlns:r="http://schemas.openxmlformats.org/officeDocument/2006/relationships" xmlns:p="http://schemas.openxmlformats.org/presentationml/2006/main">
+  <p:cSld>
+    <p:spTree>
+      <p:nvGrpSpPr>
+        <p:cNvPr id="1" name=""/>
+        <p:cNvGrpSpPr/>
+        <p:nvPr/>
+      </p:nvGrpSpPr>
+      <p:grpSpPr>
+        <a:xfrm>
+          <a:off x="0" y="0"/>
+          <a:ext cx="0" cy="0"/>
+          <a:chOff x="0" y="0"/>
+          <a:chExt cx="0" cy="0"/>
+        </a:xfrm>
+      </p:grpSpPr>
+      <p:sp>
+        <p:nvSpPr>
+          <p:cNvPr id="2" name="Title 1">
+            <a:extLst>
+              <a:ext uri="{FF2B5EF4-FFF2-40B4-BE49-F238E27FC236}">
                 <a16:creationId xmlns:a16="http://schemas.microsoft.com/office/drawing/2014/main" id="{9476C92D-E801-40CE-BD88-BC9373B12F24}"/>
               </a:ext>
             </a:extLst>
@@ -5281,7 +5420,7 @@
 </p:sld>
 </file>
 
-<file path=ppt/slides/slide21.xml><?xml version="1.0" encoding="utf-8"?>
+<file path=ppt/slides/slide22.xml><?xml version="1.0" encoding="utf-8"?>
 <p:sld xmlns:a="http://schemas.openxmlformats.org/drawingml/2006/main" xmlns:r="http://schemas.openxmlformats.org/officeDocument/2006/relationships" xmlns:p="http://schemas.openxmlformats.org/presentationml/2006/main">
   <p:cSld>
     <p:spTree>
